--- a/Survival of Titanic Passengers.pptx
+++ b/Survival of Titanic Passengers.pptx
@@ -3923,6 +3923,13 @@
   <p:clrMapOvr>
     <a:masterClrMapping/>
   </p:clrMapOvr>
+  <p:timing>
+    <p:tnLst>
+      <p:par>
+        <p:cTn id="1" dur="indefinite" restart="never" nodeType="tmRoot"/>
+      </p:par>
+    </p:tnLst>
+  </p:timing>
 </p:sld>
 </file>
 
@@ -3978,6 +3985,13 @@
   <p:clrMapOvr>
     <a:masterClrMapping/>
   </p:clrMapOvr>
+  <p:timing>
+    <p:tnLst>
+      <p:par>
+        <p:cTn id="1" dur="indefinite" restart="never" nodeType="tmRoot"/>
+      </p:par>
+    </p:tnLst>
+  </p:timing>
 </p:sld>
 </file>
 
@@ -4051,14 +4065,12 @@
           </a:p>
           <a:p>
             <a:r>
-              <a:rPr lang="en-US" dirty="0" smtClean="0"/>
-              <a:t>Dense layers.</a:t>
-            </a:r>
-          </a:p>
-          <a:p>
-            <a:r>
               <a:rPr lang="en-GB" dirty="0" smtClean="0"/>
-              <a:t>LSTM layer with </a:t>
+              <a:t>LSTM </a:t>
+            </a:r>
+            <a:r>
+              <a:rPr lang="en-GB" dirty="0" smtClean="0"/>
+              <a:t>layer with </a:t>
             </a:r>
             <a:r>
               <a:rPr lang="en-US" dirty="0" smtClean="0"/>
@@ -4089,6 +4101,13 @@
   <p:clrMapOvr>
     <a:masterClrMapping/>
   </p:clrMapOvr>
+  <p:timing>
+    <p:tnLst>
+      <p:par>
+        <p:cTn id="1" dur="indefinite" restart="never" nodeType="tmRoot"/>
+      </p:par>
+    </p:tnLst>
+  </p:timing>
 </p:sld>
 </file>
 
@@ -4200,6 +4219,13 @@
   <p:clrMapOvr>
     <a:masterClrMapping/>
   </p:clrMapOvr>
+  <p:timing>
+    <p:tnLst>
+      <p:par>
+        <p:cTn id="1" dur="indefinite" restart="never" nodeType="tmRoot"/>
+      </p:par>
+    </p:tnLst>
+  </p:timing>
 </p:sld>
 </file>
 
@@ -4382,6 +4408,13 @@
   <p:clrMapOvr>
     <a:masterClrMapping/>
   </p:clrMapOvr>
+  <p:timing>
+    <p:tnLst>
+      <p:par>
+        <p:cTn id="1" dur="indefinite" restart="never" nodeType="tmRoot"/>
+      </p:par>
+    </p:tnLst>
+  </p:timing>
 </p:sld>
 </file>
 
@@ -4533,6 +4566,13 @@
   <p:clrMapOvr>
     <a:masterClrMapping/>
   </p:clrMapOvr>
+  <p:timing>
+    <p:tnLst>
+      <p:par>
+        <p:cTn id="1" dur="indefinite" restart="never" nodeType="tmRoot"/>
+      </p:par>
+    </p:tnLst>
+  </p:timing>
 </p:sld>
 </file>
 
@@ -4592,6 +4632,13 @@
   <p:clrMapOvr>
     <a:masterClrMapping/>
   </p:clrMapOvr>
+  <p:timing>
+    <p:tnLst>
+      <p:par>
+        <p:cTn id="1" dur="indefinite" restart="never" nodeType="tmRoot"/>
+      </p:par>
+    </p:tnLst>
+  </p:timing>
 </p:sld>
 </file>
 
@@ -4656,7 +4703,15 @@
             </a:r>
             <a:r>
               <a:rPr lang="en-US" dirty="0" smtClean="0"/>
-              <a:t>did 100000 iterations and 0.001 learning rate. We can see that after 30,000 iterations the accuracy doesn’t change, so it will be best to stop after 30,000 iterations. </a:t>
+              <a:t>did </a:t>
+            </a:r>
+            <a:r>
+              <a:rPr lang="en-US" dirty="0" smtClean="0"/>
+              <a:t>100,000 </a:t>
+            </a:r>
+            <a:r>
+              <a:rPr lang="en-US" dirty="0" smtClean="0"/>
+              <a:t>iterations and 0.001 learning rate. We can see that after 30,000 iterations the accuracy doesn’t change, so it will be best to stop after 30,000 iterations. </a:t>
             </a:r>
           </a:p>
           <a:p>
@@ -4691,6 +4746,13 @@
   <p:clrMapOvr>
     <a:masterClrMapping/>
   </p:clrMapOvr>
+  <p:timing>
+    <p:tnLst>
+      <p:par>
+        <p:cTn id="1" dur="indefinite" restart="never" nodeType="tmRoot"/>
+      </p:par>
+    </p:tnLst>
+  </p:timing>
 </p:sld>
 </file>
 
@@ -4746,6 +4808,13 @@
   <p:clrMapOvr>
     <a:masterClrMapping/>
   </p:clrMapOvr>
+  <p:timing>
+    <p:tnLst>
+      <p:par>
+        <p:cTn id="1" dur="indefinite" restart="never" nodeType="tmRoot"/>
+      </p:par>
+    </p:tnLst>
+  </p:timing>
 </p:sld>
 </file>
 
@@ -4810,7 +4879,15 @@
             </a:r>
             <a:r>
               <a:rPr lang="en-US" dirty="0" smtClean="0"/>
-              <a:t>hidden layer with 3 nodes and 1,000,000 iterations and 0.001 learning </a:t>
+              <a:t>hidden layer with 3 nodes and 1,000,000 iterations and </a:t>
+            </a:r>
+            <a:r>
+              <a:rPr lang="en-US" dirty="0" smtClean="0"/>
+              <a:t>0.0001 </a:t>
+            </a:r>
+            <a:r>
+              <a:rPr lang="en-US" dirty="0" smtClean="0"/>
+              <a:t>learning </a:t>
             </a:r>
             <a:r>
               <a:rPr lang="en-US" dirty="0" smtClean="0"/>
@@ -4856,6 +4933,13 @@
   <p:clrMapOvr>
     <a:masterClrMapping/>
   </p:clrMapOvr>
+  <p:timing>
+    <p:tnLst>
+      <p:par>
+        <p:cTn id="1" dur="indefinite" restart="never" nodeType="tmRoot"/>
+      </p:par>
+    </p:tnLst>
+  </p:timing>
 </p:sld>
 </file>
 
@@ -4911,6 +4995,13 @@
   <p:clrMapOvr>
     <a:masterClrMapping/>
   </p:clrMapOvr>
+  <p:timing>
+    <p:tnLst>
+      <p:par>
+        <p:cTn id="1" dur="indefinite" restart="never" nodeType="tmRoot"/>
+      </p:par>
+    </p:tnLst>
+  </p:timing>
 </p:sld>
 </file>
 
@@ -4973,17 +5064,6 @@
           <a:p>
             <a:r>
               <a:rPr lang="en-US" dirty="0" smtClean="0"/>
-              <a:t>set </a:t>
-            </a:r>
-            <a:r>
-              <a:rPr lang="en-US" dirty="0" smtClean="0"/>
-              <a:t>our Dense layer to 5. </a:t>
-            </a:r>
-            <a:endParaRPr lang="en-US" dirty="0" smtClean="0"/>
-          </a:p>
-          <a:p>
-            <a:r>
-              <a:rPr lang="en-US" dirty="0" smtClean="0"/>
               <a:t>We </a:t>
             </a:r>
             <a:r>
@@ -5072,6 +5152,13 @@
   <p:clrMapOvr>
     <a:masterClrMapping/>
   </p:clrMapOvr>
+  <p:timing>
+    <p:tnLst>
+      <p:par>
+        <p:cTn id="1" dur="indefinite" restart="never" nodeType="tmRoot"/>
+      </p:par>
+    </p:tnLst>
+  </p:timing>
 </p:sld>
 </file>
 
